--- a/7001ICT/Slides/Lecture 3.pptx
+++ b/7001ICT/Slides/Lecture 3.pptx
@@ -2579,7 +2579,7 @@
           <a:p>
             <a:fld id="{2B85766F-5EC0-4797-B4D1-777FCB005B11}" type="datetimeFigureOut">
               <a:rPr lang="en-US" smtClean="0"/>
-              <a:t>7/31/2024</a:t>
+              <a:t>8/4/2024</a:t>
             </a:fld>
             <a:endParaRPr lang="en-US" dirty="0"/>
           </a:p>
@@ -2756,7 +2756,7 @@
           <a:p>
             <a:fld id="{B2B4B5EC-152C-4627-80C0-63B10D5574EF}" type="datetimeFigureOut">
               <a:rPr lang="en-US" smtClean="0"/>
-              <a:t>7/31/2024</a:t>
+              <a:t>8/4/2024</a:t>
             </a:fld>
             <a:endParaRPr lang="en-US" dirty="0"/>
           </a:p>
@@ -3432,7 +3432,7 @@
           <a:noFill/>
           <a:extLst>
             <a:ext uri="{909E8E84-426E-40dd-AFC4-6F175D3DCCD1}">
-              <a14:hiddenFill xmlns:a14="http://schemas.microsoft.com/office/drawing/2010/main" xmlns="">
+              <a14:hiddenFill xmlns="" xmlns:a14="http://schemas.microsoft.com/office/drawing/2010/main">
                 <a:solidFill>
                   <a:srgbClr val="FFFFFF"/>
                 </a:solidFill>
@@ -3491,7 +3491,7 @@
             </a:ln>
             <a:extLst>
               <a:ext uri="{91240B29-F687-4f45-9708-019B960494DF}">
-                <a14:hiddenLine xmlns:a14="http://schemas.microsoft.com/office/drawing/2010/main" xmlns="" w="9525">
+                <a14:hiddenLine xmlns="" xmlns:a14="http://schemas.microsoft.com/office/drawing/2010/main" w="9525">
                   <a:solidFill>
                     <a:srgbClr val="000000"/>
                   </a:solidFill>
@@ -3581,7 +3581,7 @@
             </a:ln>
             <a:extLst>
               <a:ext uri="{91240B29-F687-4f45-9708-019B960494DF}">
-                <a14:hiddenLine xmlns:a14="http://schemas.microsoft.com/office/drawing/2010/main" xmlns="" w="9525">
+                <a14:hiddenLine xmlns="" xmlns:a14="http://schemas.microsoft.com/office/drawing/2010/main" w="9525">
                   <a:solidFill>
                     <a:srgbClr val="000000"/>
                   </a:solidFill>
@@ -3671,7 +3671,7 @@
             </a:ln>
             <a:extLst>
               <a:ext uri="{91240B29-F687-4f45-9708-019B960494DF}">
-                <a14:hiddenLine xmlns:a14="http://schemas.microsoft.com/office/drawing/2010/main" xmlns="" w="9525">
+                <a14:hiddenLine xmlns="" xmlns:a14="http://schemas.microsoft.com/office/drawing/2010/main" w="9525">
                   <a:solidFill>
                     <a:srgbClr val="000000"/>
                   </a:solidFill>
@@ -3705,7 +3705,7 @@
             </a:ln>
             <a:extLst>
               <a:ext uri="{91240B29-F687-4f45-9708-019B960494DF}">
-                <a14:hiddenLine xmlns:a14="http://schemas.microsoft.com/office/drawing/2010/main" xmlns="" w="9525">
+                <a14:hiddenLine xmlns="" xmlns:a14="http://schemas.microsoft.com/office/drawing/2010/main" w="9525">
                   <a:solidFill>
                     <a:srgbClr val="000000"/>
                   </a:solidFill>
@@ -3795,7 +3795,7 @@
             </a:ln>
             <a:extLst>
               <a:ext uri="{91240B29-F687-4f45-9708-019B960494DF}">
-                <a14:hiddenLine xmlns:a14="http://schemas.microsoft.com/office/drawing/2010/main" xmlns="" w="9525">
+                <a14:hiddenLine xmlns="" xmlns:a14="http://schemas.microsoft.com/office/drawing/2010/main" w="9525">
                   <a:solidFill>
                     <a:srgbClr val="000000"/>
                   </a:solidFill>
@@ -3857,7 +3857,7 @@
             </a:ln>
             <a:extLst>
               <a:ext uri="{91240B29-F687-4f45-9708-019B960494DF}">
-                <a14:hiddenLine xmlns:a14="http://schemas.microsoft.com/office/drawing/2010/main" xmlns="" w="9525">
+                <a14:hiddenLine xmlns="" xmlns:a14="http://schemas.microsoft.com/office/drawing/2010/main" w="9525">
                   <a:solidFill>
                     <a:srgbClr val="000000"/>
                   </a:solidFill>
@@ -3919,7 +3919,7 @@
             </a:ln>
             <a:extLst>
               <a:ext uri="{91240B29-F687-4f45-9708-019B960494DF}">
-                <a14:hiddenLine xmlns:a14="http://schemas.microsoft.com/office/drawing/2010/main" xmlns="" w="9525">
+                <a14:hiddenLine xmlns="" xmlns:a14="http://schemas.microsoft.com/office/drawing/2010/main" w="9525">
                   <a:solidFill>
                     <a:srgbClr val="000000"/>
                   </a:solidFill>
@@ -4009,7 +4009,7 @@
             </a:ln>
             <a:extLst>
               <a:ext uri="{91240B29-F687-4f45-9708-019B960494DF}">
-                <a14:hiddenLine xmlns:a14="http://schemas.microsoft.com/office/drawing/2010/main" xmlns="" w="9525">
+                <a14:hiddenLine xmlns="" xmlns:a14="http://schemas.microsoft.com/office/drawing/2010/main" w="9525">
                   <a:solidFill>
                     <a:srgbClr val="000000"/>
                   </a:solidFill>
@@ -4071,7 +4071,7 @@
             </a:ln>
             <a:extLst>
               <a:ext uri="{91240B29-F687-4f45-9708-019B960494DF}">
-                <a14:hiddenLine xmlns:a14="http://schemas.microsoft.com/office/drawing/2010/main" xmlns="" w="9525">
+                <a14:hiddenLine xmlns="" xmlns:a14="http://schemas.microsoft.com/office/drawing/2010/main" w="9525">
                   <a:solidFill>
                     <a:srgbClr val="000000"/>
                   </a:solidFill>
@@ -4133,7 +4133,7 @@
             </a:ln>
             <a:extLst>
               <a:ext uri="{91240B29-F687-4f45-9708-019B960494DF}">
-                <a14:hiddenLine xmlns:a14="http://schemas.microsoft.com/office/drawing/2010/main" xmlns="" w="9525">
+                <a14:hiddenLine xmlns="" xmlns:a14="http://schemas.microsoft.com/office/drawing/2010/main" w="9525">
                   <a:solidFill>
                     <a:srgbClr val="000000"/>
                   </a:solidFill>
@@ -4223,7 +4223,7 @@
             </a:ln>
             <a:extLst>
               <a:ext uri="{91240B29-F687-4f45-9708-019B960494DF}">
-                <a14:hiddenLine xmlns:a14="http://schemas.microsoft.com/office/drawing/2010/main" xmlns="" w="9525">
+                <a14:hiddenLine xmlns="" xmlns:a14="http://schemas.microsoft.com/office/drawing/2010/main" w="9525">
                   <a:solidFill>
                     <a:srgbClr val="000000"/>
                   </a:solidFill>
@@ -4313,7 +4313,7 @@
             </a:ln>
             <a:extLst>
               <a:ext uri="{91240B29-F687-4f45-9708-019B960494DF}">
-                <a14:hiddenLine xmlns:a14="http://schemas.microsoft.com/office/drawing/2010/main" xmlns="" w="9525">
+                <a14:hiddenLine xmlns="" xmlns:a14="http://schemas.microsoft.com/office/drawing/2010/main" w="9525">
                   <a:solidFill>
                     <a:srgbClr val="000000"/>
                   </a:solidFill>
@@ -4375,7 +4375,7 @@
             </a:ln>
             <a:extLst>
               <a:ext uri="{91240B29-F687-4f45-9708-019B960494DF}">
-                <a14:hiddenLine xmlns:a14="http://schemas.microsoft.com/office/drawing/2010/main" xmlns="" w="9525">
+                <a14:hiddenLine xmlns="" xmlns:a14="http://schemas.microsoft.com/office/drawing/2010/main" w="9525">
                   <a:solidFill>
                     <a:srgbClr val="000000"/>
                   </a:solidFill>
@@ -4485,7 +4485,7 @@
             </a:ln>
             <a:extLst>
               <a:ext uri="{91240B29-F687-4f45-9708-019B960494DF}">
-                <a14:hiddenLine xmlns:a14="http://schemas.microsoft.com/office/drawing/2010/main" xmlns="" w="9525">
+                <a14:hiddenLine xmlns="" xmlns:a14="http://schemas.microsoft.com/office/drawing/2010/main" w="9525">
                   <a:solidFill>
                     <a:srgbClr val="000000"/>
                   </a:solidFill>
@@ -4547,7 +4547,7 @@
             </a:ln>
             <a:extLst>
               <a:ext uri="{91240B29-F687-4f45-9708-019B960494DF}">
-                <a14:hiddenLine xmlns:a14="http://schemas.microsoft.com/office/drawing/2010/main" xmlns="" w="9525">
+                <a14:hiddenLine xmlns="" xmlns:a14="http://schemas.microsoft.com/office/drawing/2010/main" w="9525">
                   <a:solidFill>
                     <a:srgbClr val="000000"/>
                   </a:solidFill>
@@ -4637,7 +4637,7 @@
             </a:ln>
             <a:extLst>
               <a:ext uri="{91240B29-F687-4f45-9708-019B960494DF}">
-                <a14:hiddenLine xmlns:a14="http://schemas.microsoft.com/office/drawing/2010/main" xmlns="" w="9525">
+                <a14:hiddenLine xmlns="" xmlns:a14="http://schemas.microsoft.com/office/drawing/2010/main" w="9525">
                   <a:solidFill>
                     <a:srgbClr val="000000"/>
                   </a:solidFill>
@@ -4727,7 +4727,7 @@
             </a:ln>
             <a:extLst>
               <a:ext uri="{91240B29-F687-4f45-9708-019B960494DF}">
-                <a14:hiddenLine xmlns:a14="http://schemas.microsoft.com/office/drawing/2010/main" xmlns="" w="9525">
+                <a14:hiddenLine xmlns="" xmlns:a14="http://schemas.microsoft.com/office/drawing/2010/main" w="9525">
                   <a:solidFill>
                     <a:srgbClr val="000000"/>
                   </a:solidFill>
@@ -4789,7 +4789,7 @@
             </a:ln>
             <a:extLst>
               <a:ext uri="{91240B29-F687-4f45-9708-019B960494DF}">
-                <a14:hiddenLine xmlns:a14="http://schemas.microsoft.com/office/drawing/2010/main" xmlns="" w="9525">
+                <a14:hiddenLine xmlns="" xmlns:a14="http://schemas.microsoft.com/office/drawing/2010/main" w="9525">
                   <a:solidFill>
                     <a:srgbClr val="000000"/>
                   </a:solidFill>
@@ -4879,7 +4879,7 @@
             </a:ln>
             <a:extLst>
               <a:ext uri="{91240B29-F687-4f45-9708-019B960494DF}">
-                <a14:hiddenLine xmlns:a14="http://schemas.microsoft.com/office/drawing/2010/main" xmlns="" w="9525">
+                <a14:hiddenLine xmlns="" xmlns:a14="http://schemas.microsoft.com/office/drawing/2010/main" w="9525">
                   <a:solidFill>
                     <a:srgbClr val="000000"/>
                   </a:solidFill>
@@ -4969,7 +4969,7 @@
             </a:ln>
             <a:extLst>
               <a:ext uri="{91240B29-F687-4f45-9708-019B960494DF}">
-                <a14:hiddenLine xmlns:a14="http://schemas.microsoft.com/office/drawing/2010/main" xmlns="" w="9525">
+                <a14:hiddenLine xmlns="" xmlns:a14="http://schemas.microsoft.com/office/drawing/2010/main" w="9525">
                   <a:solidFill>
                     <a:srgbClr val="000000"/>
                   </a:solidFill>
@@ -5025,7 +5025,7 @@
             </a:ln>
             <a:extLst>
               <a:ext uri="{91240B29-F687-4f45-9708-019B960494DF}">
-                <a14:hiddenLine xmlns:a14="http://schemas.microsoft.com/office/drawing/2010/main" xmlns="" w="9525">
+                <a14:hiddenLine xmlns="" xmlns:a14="http://schemas.microsoft.com/office/drawing/2010/main" w="9525">
                   <a:solidFill>
                     <a:srgbClr val="000000"/>
                   </a:solidFill>
@@ -5115,7 +5115,7 @@
             </a:ln>
             <a:extLst>
               <a:ext uri="{91240B29-F687-4f45-9708-019B960494DF}">
-                <a14:hiddenLine xmlns:a14="http://schemas.microsoft.com/office/drawing/2010/main" xmlns="" w="9525">
+                <a14:hiddenLine xmlns="" xmlns:a14="http://schemas.microsoft.com/office/drawing/2010/main" w="9525">
                   <a:solidFill>
                     <a:srgbClr val="000000"/>
                   </a:solidFill>
@@ -5171,7 +5171,7 @@
             </a:ln>
             <a:extLst>
               <a:ext uri="{91240B29-F687-4f45-9708-019B960494DF}">
-                <a14:hiddenLine xmlns:a14="http://schemas.microsoft.com/office/drawing/2010/main" xmlns="" w="9525">
+                <a14:hiddenLine xmlns="" xmlns:a14="http://schemas.microsoft.com/office/drawing/2010/main" w="9525">
                   <a:solidFill>
                     <a:srgbClr val="000000"/>
                   </a:solidFill>
@@ -5261,7 +5261,7 @@
             </a:ln>
             <a:extLst>
               <a:ext uri="{91240B29-F687-4f45-9708-019B960494DF}">
-                <a14:hiddenLine xmlns:a14="http://schemas.microsoft.com/office/drawing/2010/main" xmlns="" w="9525">
+                <a14:hiddenLine xmlns="" xmlns:a14="http://schemas.microsoft.com/office/drawing/2010/main" w="9525">
                   <a:solidFill>
                     <a:srgbClr val="000000"/>
                   </a:solidFill>
@@ -5329,7 +5329,7 @@
             </a:ln>
             <a:extLst>
               <a:ext uri="{91240B29-F687-4f45-9708-019B960494DF}">
-                <a14:hiddenLine xmlns:a14="http://schemas.microsoft.com/office/drawing/2010/main" xmlns="" w="9525">
+                <a14:hiddenLine xmlns="" xmlns:a14="http://schemas.microsoft.com/office/drawing/2010/main" w="9525">
                   <a:solidFill>
                     <a:srgbClr val="000000"/>
                   </a:solidFill>
@@ -5419,7 +5419,7 @@
             </a:ln>
             <a:extLst>
               <a:ext uri="{91240B29-F687-4f45-9708-019B960494DF}">
-                <a14:hiddenLine xmlns:a14="http://schemas.microsoft.com/office/drawing/2010/main" xmlns="" w="9525">
+                <a14:hiddenLine xmlns="" xmlns:a14="http://schemas.microsoft.com/office/drawing/2010/main" w="9525">
                   <a:solidFill>
                     <a:srgbClr val="000000"/>
                   </a:solidFill>
@@ -5487,7 +5487,7 @@
             </a:ln>
             <a:extLst>
               <a:ext uri="{91240B29-F687-4f45-9708-019B960494DF}">
-                <a14:hiddenLine xmlns:a14="http://schemas.microsoft.com/office/drawing/2010/main" xmlns="" w="9525">
+                <a14:hiddenLine xmlns="" xmlns:a14="http://schemas.microsoft.com/office/drawing/2010/main" w="9525">
                   <a:solidFill>
                     <a:srgbClr val="000000"/>
                   </a:solidFill>
@@ -5577,7 +5577,7 @@
             </a:ln>
             <a:extLst>
               <a:ext uri="{91240B29-F687-4f45-9708-019B960494DF}">
-                <a14:hiddenLine xmlns:a14="http://schemas.microsoft.com/office/drawing/2010/main" xmlns="" w="9525">
+                <a14:hiddenLine xmlns="" xmlns:a14="http://schemas.microsoft.com/office/drawing/2010/main" w="9525">
                   <a:solidFill>
                     <a:srgbClr val="000000"/>
                   </a:solidFill>
@@ -5611,7 +5611,7 @@
             </a:ln>
             <a:extLst>
               <a:ext uri="{91240B29-F687-4f45-9708-019B960494DF}">
-                <a14:hiddenLine xmlns:a14="http://schemas.microsoft.com/office/drawing/2010/main" xmlns="" w="9525">
+                <a14:hiddenLine xmlns="" xmlns:a14="http://schemas.microsoft.com/office/drawing/2010/main" w="9525">
                   <a:solidFill>
                     <a:srgbClr val="000000"/>
                   </a:solidFill>
@@ -5701,7 +5701,7 @@
             </a:ln>
             <a:extLst>
               <a:ext uri="{91240B29-F687-4f45-9708-019B960494DF}">
-                <a14:hiddenLine xmlns:a14="http://schemas.microsoft.com/office/drawing/2010/main" xmlns="" w="9525">
+                <a14:hiddenLine xmlns="" xmlns:a14="http://schemas.microsoft.com/office/drawing/2010/main" w="9525">
                   <a:solidFill>
                     <a:srgbClr val="000000"/>
                   </a:solidFill>
@@ -5763,7 +5763,7 @@
             </a:ln>
             <a:extLst>
               <a:ext uri="{91240B29-F687-4f45-9708-019B960494DF}">
-                <a14:hiddenLine xmlns:a14="http://schemas.microsoft.com/office/drawing/2010/main" xmlns="" w="9525">
+                <a14:hiddenLine xmlns="" xmlns:a14="http://schemas.microsoft.com/office/drawing/2010/main" w="9525">
                   <a:solidFill>
                     <a:srgbClr val="000000"/>
                   </a:solidFill>
@@ -5825,7 +5825,7 @@
             </a:ln>
             <a:extLst>
               <a:ext uri="{91240B29-F687-4f45-9708-019B960494DF}">
-                <a14:hiddenLine xmlns:a14="http://schemas.microsoft.com/office/drawing/2010/main" xmlns="" w="9525">
+                <a14:hiddenLine xmlns="" xmlns:a14="http://schemas.microsoft.com/office/drawing/2010/main" w="9525">
                   <a:solidFill>
                     <a:srgbClr val="000000"/>
                   </a:solidFill>
@@ -5915,7 +5915,7 @@
             </a:ln>
             <a:extLst>
               <a:ext uri="{91240B29-F687-4f45-9708-019B960494DF}">
-                <a14:hiddenLine xmlns:a14="http://schemas.microsoft.com/office/drawing/2010/main" xmlns="" w="9525">
+                <a14:hiddenLine xmlns="" xmlns:a14="http://schemas.microsoft.com/office/drawing/2010/main" w="9525">
                   <a:solidFill>
                     <a:srgbClr val="000000"/>
                   </a:solidFill>
@@ -5983,7 +5983,7 @@
             </a:ln>
             <a:extLst>
               <a:ext uri="{91240B29-F687-4f45-9708-019B960494DF}">
-                <a14:hiddenLine xmlns:a14="http://schemas.microsoft.com/office/drawing/2010/main" xmlns="" w="9525">
+                <a14:hiddenLine xmlns="" xmlns:a14="http://schemas.microsoft.com/office/drawing/2010/main" w="9525">
                   <a:solidFill>
                     <a:srgbClr val="000000"/>
                   </a:solidFill>
@@ -6045,7 +6045,7 @@
             </a:ln>
             <a:extLst>
               <a:ext uri="{91240B29-F687-4f45-9708-019B960494DF}">
-                <a14:hiddenLine xmlns:a14="http://schemas.microsoft.com/office/drawing/2010/main" xmlns="" w="9525">
+                <a14:hiddenLine xmlns="" xmlns:a14="http://schemas.microsoft.com/office/drawing/2010/main" w="9525">
                   <a:solidFill>
                     <a:srgbClr val="000000"/>
                   </a:solidFill>
@@ -6135,7 +6135,7 @@
             </a:ln>
             <a:extLst>
               <a:ext uri="{91240B29-F687-4f45-9708-019B960494DF}">
-                <a14:hiddenLine xmlns:a14="http://schemas.microsoft.com/office/drawing/2010/main" xmlns="" w="9525">
+                <a14:hiddenLine xmlns="" xmlns:a14="http://schemas.microsoft.com/office/drawing/2010/main" w="9525">
                   <a:solidFill>
                     <a:srgbClr val="000000"/>
                   </a:solidFill>
@@ -6197,7 +6197,7 @@
             </a:ln>
             <a:extLst>
               <a:ext uri="{91240B29-F687-4f45-9708-019B960494DF}">
-                <a14:hiddenLine xmlns:a14="http://schemas.microsoft.com/office/drawing/2010/main" xmlns="" w="9525">
+                <a14:hiddenLine xmlns="" xmlns:a14="http://schemas.microsoft.com/office/drawing/2010/main" w="9525">
                   <a:solidFill>
                     <a:srgbClr val="000000"/>
                   </a:solidFill>
@@ -6287,7 +6287,7 @@
             </a:ln>
             <a:extLst>
               <a:ext uri="{91240B29-F687-4f45-9708-019B960494DF}">
-                <a14:hiddenLine xmlns:a14="http://schemas.microsoft.com/office/drawing/2010/main" xmlns="" w="9525">
+                <a14:hiddenLine xmlns="" xmlns:a14="http://schemas.microsoft.com/office/drawing/2010/main" w="9525">
                   <a:solidFill>
                     <a:srgbClr val="000000"/>
                   </a:solidFill>
@@ -6349,7 +6349,7 @@
             </a:ln>
             <a:extLst>
               <a:ext uri="{91240B29-F687-4f45-9708-019B960494DF}">
-                <a14:hiddenLine xmlns:a14="http://schemas.microsoft.com/office/drawing/2010/main" xmlns="" w="9525">
+                <a14:hiddenLine xmlns="" xmlns:a14="http://schemas.microsoft.com/office/drawing/2010/main" w="9525">
                   <a:solidFill>
                     <a:srgbClr val="000000"/>
                   </a:solidFill>
@@ -6439,7 +6439,7 @@
             </a:ln>
             <a:extLst>
               <a:ext uri="{91240B29-F687-4f45-9708-019B960494DF}">
-                <a14:hiddenLine xmlns:a14="http://schemas.microsoft.com/office/drawing/2010/main" xmlns="" w="9525">
+                <a14:hiddenLine xmlns="" xmlns:a14="http://schemas.microsoft.com/office/drawing/2010/main" w="9525">
                   <a:solidFill>
                     <a:srgbClr val="000000"/>
                   </a:solidFill>
@@ -6473,7 +6473,7 @@
             </a:ln>
             <a:extLst>
               <a:ext uri="{91240B29-F687-4f45-9708-019B960494DF}">
-                <a14:hiddenLine xmlns:a14="http://schemas.microsoft.com/office/drawing/2010/main" xmlns="" w="9525">
+                <a14:hiddenLine xmlns="" xmlns:a14="http://schemas.microsoft.com/office/drawing/2010/main" w="9525">
                   <a:solidFill>
                     <a:srgbClr val="000000"/>
                   </a:solidFill>
@@ -6538,7 +6538,7 @@
             </a:ln>
             <a:extLst>
               <a:ext uri="{91240B29-F687-4f45-9708-019B960494DF}">
-                <a14:hiddenLine xmlns:a14="http://schemas.microsoft.com/office/drawing/2010/main" xmlns="" w="9525">
+                <a14:hiddenLine xmlns="" xmlns:a14="http://schemas.microsoft.com/office/drawing/2010/main" w="9525">
                   <a:solidFill>
                     <a:srgbClr val="000000"/>
                   </a:solidFill>
@@ -6628,7 +6628,7 @@
             </a:ln>
             <a:extLst>
               <a:ext uri="{91240B29-F687-4f45-9708-019B960494DF}">
-                <a14:hiddenLine xmlns:a14="http://schemas.microsoft.com/office/drawing/2010/main" xmlns="" w="9525">
+                <a14:hiddenLine xmlns="" xmlns:a14="http://schemas.microsoft.com/office/drawing/2010/main" w="9525">
                   <a:solidFill>
                     <a:srgbClr val="000000"/>
                   </a:solidFill>
@@ -6690,7 +6690,7 @@
             </a:ln>
             <a:extLst>
               <a:ext uri="{91240B29-F687-4f45-9708-019B960494DF}">
-                <a14:hiddenLine xmlns:a14="http://schemas.microsoft.com/office/drawing/2010/main" xmlns="" w="9525">
+                <a14:hiddenLine xmlns="" xmlns:a14="http://schemas.microsoft.com/office/drawing/2010/main" w="9525">
                   <a:solidFill>
                     <a:srgbClr val="000000"/>
                   </a:solidFill>
@@ -6780,7 +6780,7 @@
             </a:ln>
             <a:extLst>
               <a:ext uri="{91240B29-F687-4f45-9708-019B960494DF}">
-                <a14:hiddenLine xmlns:a14="http://schemas.microsoft.com/office/drawing/2010/main" xmlns="" w="9525">
+                <a14:hiddenLine xmlns="" xmlns:a14="http://schemas.microsoft.com/office/drawing/2010/main" w="9525">
                   <a:solidFill>
                     <a:srgbClr val="000000"/>
                   </a:solidFill>
@@ -6870,7 +6870,7 @@
             </a:ln>
             <a:extLst>
               <a:ext uri="{91240B29-F687-4f45-9708-019B960494DF}">
-                <a14:hiddenLine xmlns:a14="http://schemas.microsoft.com/office/drawing/2010/main" xmlns="" w="9525">
+                <a14:hiddenLine xmlns="" xmlns:a14="http://schemas.microsoft.com/office/drawing/2010/main" w="9525">
                   <a:solidFill>
                     <a:srgbClr val="000000"/>
                   </a:solidFill>
@@ -6935,7 +6935,7 @@
             </a:ln>
             <a:extLst>
               <a:ext uri="{91240B29-F687-4f45-9708-019B960494DF}">
-                <a14:hiddenLine xmlns:a14="http://schemas.microsoft.com/office/drawing/2010/main" xmlns="" w="9525">
+                <a14:hiddenLine xmlns="" xmlns:a14="http://schemas.microsoft.com/office/drawing/2010/main" w="9525">
                   <a:solidFill>
                     <a:srgbClr val="000000"/>
                   </a:solidFill>
@@ -6997,7 +6997,7 @@
             </a:ln>
             <a:extLst>
               <a:ext uri="{91240B29-F687-4f45-9708-019B960494DF}">
-                <a14:hiddenLine xmlns:a14="http://schemas.microsoft.com/office/drawing/2010/main" xmlns="" w="9525">
+                <a14:hiddenLine xmlns="" xmlns:a14="http://schemas.microsoft.com/office/drawing/2010/main" w="9525">
                   <a:solidFill>
                     <a:srgbClr val="000000"/>
                   </a:solidFill>
@@ -7087,7 +7087,7 @@
             </a:ln>
             <a:extLst>
               <a:ext uri="{91240B29-F687-4f45-9708-019B960494DF}">
-                <a14:hiddenLine xmlns:a14="http://schemas.microsoft.com/office/drawing/2010/main" xmlns="" w="9525">
+                <a14:hiddenLine xmlns="" xmlns:a14="http://schemas.microsoft.com/office/drawing/2010/main" w="9525">
                   <a:solidFill>
                     <a:srgbClr val="000000"/>
                   </a:solidFill>
@@ -7177,7 +7177,7 @@
             </a:ln>
             <a:extLst>
               <a:ext uri="{91240B29-F687-4f45-9708-019B960494DF}">
-                <a14:hiddenLine xmlns:a14="http://schemas.microsoft.com/office/drawing/2010/main" xmlns="" w="9525">
+                <a14:hiddenLine xmlns="" xmlns:a14="http://schemas.microsoft.com/office/drawing/2010/main" w="9525">
                   <a:solidFill>
                     <a:srgbClr val="000000"/>
                   </a:solidFill>
@@ -7239,7 +7239,7 @@
             </a:ln>
             <a:extLst>
               <a:ext uri="{91240B29-F687-4f45-9708-019B960494DF}">
-                <a14:hiddenLine xmlns:a14="http://schemas.microsoft.com/office/drawing/2010/main" xmlns="" w="9525">
+                <a14:hiddenLine xmlns="" xmlns:a14="http://schemas.microsoft.com/office/drawing/2010/main" w="9525">
                   <a:solidFill>
                     <a:srgbClr val="000000"/>
                   </a:solidFill>
@@ -7359,7 +7359,7 @@
             </a:ln>
             <a:extLst>
               <a:ext uri="{91240B29-F687-4f45-9708-019B960494DF}">
-                <a14:hiddenLine xmlns:a14="http://schemas.microsoft.com/office/drawing/2010/main" xmlns="" w="9525">
+                <a14:hiddenLine xmlns="" xmlns:a14="http://schemas.microsoft.com/office/drawing/2010/main" w="9525">
                   <a:solidFill>
                     <a:srgbClr val="000000"/>
                   </a:solidFill>
@@ -7427,7 +7427,7 @@
             </a:ln>
             <a:extLst>
               <a:ext uri="{91240B29-F687-4f45-9708-019B960494DF}">
-                <a14:hiddenLine xmlns:a14="http://schemas.microsoft.com/office/drawing/2010/main" xmlns="" w="9525">
+                <a14:hiddenLine xmlns="" xmlns:a14="http://schemas.microsoft.com/office/drawing/2010/main" w="9525">
                   <a:solidFill>
                     <a:srgbClr val="000000"/>
                   </a:solidFill>
@@ -7517,7 +7517,7 @@
             </a:ln>
             <a:extLst>
               <a:ext uri="{91240B29-F687-4f45-9708-019B960494DF}">
-                <a14:hiddenLine xmlns:a14="http://schemas.microsoft.com/office/drawing/2010/main" xmlns="" w="9525">
+                <a14:hiddenLine xmlns="" xmlns:a14="http://schemas.microsoft.com/office/drawing/2010/main" w="9525">
                   <a:solidFill>
                     <a:srgbClr val="000000"/>
                   </a:solidFill>
@@ -7657,7 +7657,7 @@
           <a:p>
             <a:fld id="{48A87A34-81AB-432B-8DAE-1953F412C126}" type="datetimeFigureOut">
               <a:rPr lang="en-US" smtClean="0"/>
-              <a:t>7/31/2024</a:t>
+              <a:t>8/4/2024</a:t>
             </a:fld>
             <a:endParaRPr lang="en-US" dirty="0"/>
           </a:p>
@@ -7924,7 +7924,7 @@
           <a:p>
             <a:fld id="{48A87A34-81AB-432B-8DAE-1953F412C126}" type="datetimeFigureOut">
               <a:rPr lang="en-US" smtClean="0"/>
-              <a:t>7/31/2024</a:t>
+              <a:t>8/4/2024</a:t>
             </a:fld>
             <a:endParaRPr lang="en-US" dirty="0"/>
           </a:p>
@@ -8120,7 +8120,7 @@
           <a:p>
             <a:fld id="{48A87A34-81AB-432B-8DAE-1953F412C126}" type="datetimeFigureOut">
               <a:rPr lang="en-US" smtClean="0"/>
-              <a:t>7/31/2024</a:t>
+              <a:t>8/4/2024</a:t>
             </a:fld>
             <a:endParaRPr lang="en-US" dirty="0"/>
           </a:p>
@@ -8383,7 +8383,7 @@
           <a:p>
             <a:fld id="{48A87A34-81AB-432B-8DAE-1953F412C126}" type="datetimeFigureOut">
               <a:rPr lang="en-US" smtClean="0"/>
-              <a:t>7/31/2024</a:t>
+              <a:t>8/4/2024</a:t>
             </a:fld>
             <a:endParaRPr lang="en-US" dirty="0"/>
           </a:p>
@@ -8817,7 +8817,7 @@
           <a:p>
             <a:fld id="{48A87A34-81AB-432B-8DAE-1953F412C126}" type="datetimeFigureOut">
               <a:rPr lang="en-US" smtClean="0"/>
-              <a:t>7/31/2024</a:t>
+              <a:t>8/4/2024</a:t>
             </a:fld>
             <a:endParaRPr lang="en-US" dirty="0"/>
           </a:p>
@@ -9363,7 +9363,7 @@
           <a:p>
             <a:fld id="{48A87A34-81AB-432B-8DAE-1953F412C126}" type="datetimeFigureOut">
               <a:rPr lang="en-US" smtClean="0"/>
-              <a:t>7/31/2024</a:t>
+              <a:t>8/4/2024</a:t>
             </a:fld>
             <a:endParaRPr lang="en-US" dirty="0"/>
           </a:p>
@@ -10083,7 +10083,7 @@
           <a:p>
             <a:fld id="{48A87A34-81AB-432B-8DAE-1953F412C126}" type="datetimeFigureOut">
               <a:rPr lang="en-US" smtClean="0"/>
-              <a:t>7/31/2024</a:t>
+              <a:t>8/4/2024</a:t>
             </a:fld>
             <a:endParaRPr lang="en-US" dirty="0"/>
           </a:p>
@@ -10253,7 +10253,7 @@
           <a:p>
             <a:fld id="{48A87A34-81AB-432B-8DAE-1953F412C126}" type="datetimeFigureOut">
               <a:rPr lang="en-US" smtClean="0"/>
-              <a:t>7/31/2024</a:t>
+              <a:t>8/4/2024</a:t>
             </a:fld>
             <a:endParaRPr lang="en-US" dirty="0"/>
           </a:p>
@@ -10433,7 +10433,7 @@
           <a:p>
             <a:fld id="{48A87A34-81AB-432B-8DAE-1953F412C126}" type="datetimeFigureOut">
               <a:rPr lang="en-US" smtClean="0"/>
-              <a:t>7/31/2024</a:t>
+              <a:t>8/4/2024</a:t>
             </a:fld>
             <a:endParaRPr lang="en-US" dirty="0"/>
           </a:p>
@@ -10603,7 +10603,7 @@
           <a:p>
             <a:fld id="{48A87A34-81AB-432B-8DAE-1953F412C126}" type="datetimeFigureOut">
               <a:rPr lang="en-US" smtClean="0"/>
-              <a:t>7/31/2024</a:t>
+              <a:t>8/4/2024</a:t>
             </a:fld>
             <a:endParaRPr lang="en-US" dirty="0"/>
           </a:p>
@@ -10853,7 +10853,7 @@
           <a:p>
             <a:fld id="{48A87A34-81AB-432B-8DAE-1953F412C126}" type="datetimeFigureOut">
               <a:rPr lang="en-US" smtClean="0"/>
-              <a:t>7/31/2024</a:t>
+              <a:t>8/4/2024</a:t>
             </a:fld>
             <a:endParaRPr lang="en-US" dirty="0"/>
           </a:p>
@@ -11085,7 +11085,7 @@
           <a:p>
             <a:fld id="{48A87A34-81AB-432B-8DAE-1953F412C126}" type="datetimeFigureOut">
               <a:rPr lang="en-US" smtClean="0"/>
-              <a:t>7/31/2024</a:t>
+              <a:t>8/4/2024</a:t>
             </a:fld>
             <a:endParaRPr lang="en-US" dirty="0"/>
           </a:p>
@@ -11466,7 +11466,7 @@
           <a:p>
             <a:fld id="{48A87A34-81AB-432B-8DAE-1953F412C126}" type="datetimeFigureOut">
               <a:rPr lang="en-US" smtClean="0"/>
-              <a:t>7/31/2024</a:t>
+              <a:t>8/4/2024</a:t>
             </a:fld>
             <a:endParaRPr lang="en-US" dirty="0"/>
           </a:p>
@@ -11584,7 +11584,7 @@
           <a:p>
             <a:fld id="{48A87A34-81AB-432B-8DAE-1953F412C126}" type="datetimeFigureOut">
               <a:rPr lang="en-US" smtClean="0"/>
-              <a:t>7/31/2024</a:t>
+              <a:t>8/4/2024</a:t>
             </a:fld>
             <a:endParaRPr lang="en-US" dirty="0"/>
           </a:p>
@@ -11679,7 +11679,7 @@
           <a:p>
             <a:fld id="{48A87A34-81AB-432B-8DAE-1953F412C126}" type="datetimeFigureOut">
               <a:rPr lang="en-US" smtClean="0"/>
-              <a:t>7/31/2024</a:t>
+              <a:t>8/4/2024</a:t>
             </a:fld>
             <a:endParaRPr lang="en-US" dirty="0"/>
           </a:p>
@@ -11928,7 +11928,7 @@
           <a:p>
             <a:fld id="{48A87A34-81AB-432B-8DAE-1953F412C126}" type="datetimeFigureOut">
               <a:rPr lang="en-US" smtClean="0"/>
-              <a:t>7/31/2024</a:t>
+              <a:t>8/4/2024</a:t>
             </a:fld>
             <a:endParaRPr lang="en-US" dirty="0"/>
           </a:p>
@@ -12208,7 +12208,7 @@
           <a:p>
             <a:fld id="{48A87A34-81AB-432B-8DAE-1953F412C126}" type="datetimeFigureOut">
               <a:rPr lang="en-US" smtClean="0"/>
-              <a:t>7/31/2024</a:t>
+              <a:t>8/4/2024</a:t>
             </a:fld>
             <a:endParaRPr lang="en-US" dirty="0"/>
           </a:p>
@@ -12331,7 +12331,7 @@
           <a:noFill/>
           <a:extLst>
             <a:ext uri="{909E8E84-426E-40dd-AFC4-6F175D3DCCD1}">
-              <a14:hiddenFill xmlns:a14="http://schemas.microsoft.com/office/drawing/2010/main" xmlns="">
+              <a14:hiddenFill xmlns="" xmlns:a14="http://schemas.microsoft.com/office/drawing/2010/main">
                 <a:solidFill>
                   <a:srgbClr val="FFFFFF"/>
                 </a:solidFill>
@@ -12405,7 +12405,7 @@
               </a:ln>
               <a:extLst>
                 <a:ext uri="{91240B29-F687-4f45-9708-019B960494DF}">
-                  <a14:hiddenLine xmlns:a14="http://schemas.microsoft.com/office/drawing/2010/main" xmlns="" w="9525">
+                  <a14:hiddenLine xmlns="" xmlns:a14="http://schemas.microsoft.com/office/drawing/2010/main" w="9525">
                     <a:solidFill>
                       <a:srgbClr val="000000"/>
                     </a:solidFill>
@@ -12495,7 +12495,7 @@
               </a:ln>
               <a:extLst>
                 <a:ext uri="{91240B29-F687-4f45-9708-019B960494DF}">
-                  <a14:hiddenLine xmlns:a14="http://schemas.microsoft.com/office/drawing/2010/main" xmlns="" w="9525">
+                  <a14:hiddenLine xmlns="" xmlns:a14="http://schemas.microsoft.com/office/drawing/2010/main" w="9525">
                     <a:solidFill>
                       <a:srgbClr val="000000"/>
                     </a:solidFill>
@@ -12585,7 +12585,7 @@
               </a:ln>
               <a:extLst>
                 <a:ext uri="{91240B29-F687-4f45-9708-019B960494DF}">
-                  <a14:hiddenLine xmlns:a14="http://schemas.microsoft.com/office/drawing/2010/main" xmlns="" w="9525">
+                  <a14:hiddenLine xmlns="" xmlns:a14="http://schemas.microsoft.com/office/drawing/2010/main" w="9525">
                     <a:solidFill>
                       <a:srgbClr val="000000"/>
                     </a:solidFill>
@@ -12647,7 +12647,7 @@
               </a:ln>
               <a:extLst>
                 <a:ext uri="{91240B29-F687-4f45-9708-019B960494DF}">
-                  <a14:hiddenLine xmlns:a14="http://schemas.microsoft.com/office/drawing/2010/main" xmlns="" w="9525">
+                  <a14:hiddenLine xmlns="" xmlns:a14="http://schemas.microsoft.com/office/drawing/2010/main" w="9525">
                     <a:solidFill>
                       <a:srgbClr val="000000"/>
                     </a:solidFill>
@@ -12737,7 +12737,7 @@
               </a:ln>
               <a:extLst>
                 <a:ext uri="{91240B29-F687-4f45-9708-019B960494DF}">
-                  <a14:hiddenLine xmlns:a14="http://schemas.microsoft.com/office/drawing/2010/main" xmlns="" w="9525">
+                  <a14:hiddenLine xmlns="" xmlns:a14="http://schemas.microsoft.com/office/drawing/2010/main" w="9525">
                     <a:solidFill>
                       <a:srgbClr val="000000"/>
                     </a:solidFill>
@@ -12799,7 +12799,7 @@
               </a:ln>
               <a:extLst>
                 <a:ext uri="{91240B29-F687-4f45-9708-019B960494DF}">
-                  <a14:hiddenLine xmlns:a14="http://schemas.microsoft.com/office/drawing/2010/main" xmlns="" w="9525">
+                  <a14:hiddenLine xmlns="" xmlns:a14="http://schemas.microsoft.com/office/drawing/2010/main" w="9525">
                     <a:solidFill>
                       <a:srgbClr val="000000"/>
                     </a:solidFill>
@@ -12861,7 +12861,7 @@
               </a:ln>
               <a:extLst>
                 <a:ext uri="{91240B29-F687-4f45-9708-019B960494DF}">
-                  <a14:hiddenLine xmlns:a14="http://schemas.microsoft.com/office/drawing/2010/main" xmlns="" w="9525">
+                  <a14:hiddenLine xmlns="" xmlns:a14="http://schemas.microsoft.com/office/drawing/2010/main" w="9525">
                     <a:solidFill>
                       <a:srgbClr val="000000"/>
                     </a:solidFill>
@@ -12951,7 +12951,7 @@
               </a:ln>
               <a:extLst>
                 <a:ext uri="{91240B29-F687-4f45-9708-019B960494DF}">
-                  <a14:hiddenLine xmlns:a14="http://schemas.microsoft.com/office/drawing/2010/main" xmlns="" w="9525">
+                  <a14:hiddenLine xmlns="" xmlns:a14="http://schemas.microsoft.com/office/drawing/2010/main" w="9525">
                     <a:solidFill>
                       <a:srgbClr val="000000"/>
                     </a:solidFill>
@@ -13041,7 +13041,7 @@
               </a:ln>
               <a:extLst>
                 <a:ext uri="{91240B29-F687-4f45-9708-019B960494DF}">
-                  <a14:hiddenLine xmlns:a14="http://schemas.microsoft.com/office/drawing/2010/main" xmlns="" w="9525">
+                  <a14:hiddenLine xmlns="" xmlns:a14="http://schemas.microsoft.com/office/drawing/2010/main" w="9525">
                     <a:solidFill>
                       <a:srgbClr val="000000"/>
                     </a:solidFill>
@@ -13103,7 +13103,7 @@
               </a:ln>
               <a:extLst>
                 <a:ext uri="{91240B29-F687-4f45-9708-019B960494DF}">
-                  <a14:hiddenLine xmlns:a14="http://schemas.microsoft.com/office/drawing/2010/main" xmlns="" w="9525">
+                  <a14:hiddenLine xmlns="" xmlns:a14="http://schemas.microsoft.com/office/drawing/2010/main" w="9525">
                     <a:solidFill>
                       <a:srgbClr val="000000"/>
                     </a:solidFill>
@@ -13213,7 +13213,7 @@
               </a:ln>
               <a:extLst>
                 <a:ext uri="{91240B29-F687-4f45-9708-019B960494DF}">
-                  <a14:hiddenLine xmlns:a14="http://schemas.microsoft.com/office/drawing/2010/main" xmlns="" w="9525">
+                  <a14:hiddenLine xmlns="" xmlns:a14="http://schemas.microsoft.com/office/drawing/2010/main" w="9525">
                     <a:solidFill>
                       <a:srgbClr val="000000"/>
                     </a:solidFill>
@@ -13297,7 +13297,7 @@
               </a:ln>
               <a:extLst>
                 <a:ext uri="{91240B29-F687-4f45-9708-019B960494DF}">
-                  <a14:hiddenLine xmlns:a14="http://schemas.microsoft.com/office/drawing/2010/main" xmlns="" w="9525">
+                  <a14:hiddenLine xmlns="" xmlns:a14="http://schemas.microsoft.com/office/drawing/2010/main" w="9525">
                     <a:solidFill>
                       <a:srgbClr val="000000"/>
                     </a:solidFill>
@@ -13359,7 +13359,7 @@
               </a:ln>
               <a:extLst>
                 <a:ext uri="{91240B29-F687-4f45-9708-019B960494DF}">
-                  <a14:hiddenLine xmlns:a14="http://schemas.microsoft.com/office/drawing/2010/main" xmlns="" w="9525">
+                  <a14:hiddenLine xmlns="" xmlns:a14="http://schemas.microsoft.com/office/drawing/2010/main" w="9525">
                     <a:solidFill>
                       <a:srgbClr val="000000"/>
                     </a:solidFill>
@@ -13421,7 +13421,7 @@
               </a:ln>
               <a:extLst>
                 <a:ext uri="{91240B29-F687-4f45-9708-019B960494DF}">
-                  <a14:hiddenLine xmlns:a14="http://schemas.microsoft.com/office/drawing/2010/main" xmlns="" w="9525">
+                  <a14:hiddenLine xmlns="" xmlns:a14="http://schemas.microsoft.com/office/drawing/2010/main" w="9525">
                     <a:solidFill>
                       <a:srgbClr val="000000"/>
                     </a:solidFill>
@@ -13511,7 +13511,7 @@
               </a:ln>
               <a:extLst>
                 <a:ext uri="{91240B29-F687-4f45-9708-019B960494DF}">
-                  <a14:hiddenLine xmlns:a14="http://schemas.microsoft.com/office/drawing/2010/main" xmlns="" w="9525">
+                  <a14:hiddenLine xmlns="" xmlns:a14="http://schemas.microsoft.com/office/drawing/2010/main" w="9525">
                     <a:solidFill>
                       <a:srgbClr val="000000"/>
                     </a:solidFill>
@@ -13545,7 +13545,7 @@
               </a:ln>
               <a:extLst>
                 <a:ext uri="{91240B29-F687-4f45-9708-019B960494DF}">
-                  <a14:hiddenLine xmlns:a14="http://schemas.microsoft.com/office/drawing/2010/main" xmlns="" w="9525">
+                  <a14:hiddenLine xmlns="" xmlns:a14="http://schemas.microsoft.com/office/drawing/2010/main" w="9525">
                     <a:solidFill>
                       <a:srgbClr val="000000"/>
                     </a:solidFill>
@@ -13610,7 +13610,7 @@
               </a:ln>
               <a:extLst>
                 <a:ext uri="{91240B29-F687-4f45-9708-019B960494DF}">
-                  <a14:hiddenLine xmlns:a14="http://schemas.microsoft.com/office/drawing/2010/main" xmlns="" w="9525">
+                  <a14:hiddenLine xmlns="" xmlns:a14="http://schemas.microsoft.com/office/drawing/2010/main" w="9525">
                     <a:solidFill>
                       <a:srgbClr val="000000"/>
                     </a:solidFill>
@@ -13700,7 +13700,7 @@
               </a:ln>
               <a:extLst>
                 <a:ext uri="{91240B29-F687-4f45-9708-019B960494DF}">
-                  <a14:hiddenLine xmlns:a14="http://schemas.microsoft.com/office/drawing/2010/main" xmlns="" w="9525">
+                  <a14:hiddenLine xmlns="" xmlns:a14="http://schemas.microsoft.com/office/drawing/2010/main" w="9525">
                     <a:solidFill>
                       <a:srgbClr val="000000"/>
                     </a:solidFill>
@@ -13762,7 +13762,7 @@
               </a:ln>
               <a:extLst>
                 <a:ext uri="{91240B29-F687-4f45-9708-019B960494DF}">
-                  <a14:hiddenLine xmlns:a14="http://schemas.microsoft.com/office/drawing/2010/main" xmlns="" w="9525">
+                  <a14:hiddenLine xmlns="" xmlns:a14="http://schemas.microsoft.com/office/drawing/2010/main" w="9525">
                     <a:solidFill>
                       <a:srgbClr val="000000"/>
                     </a:solidFill>
@@ -13852,7 +13852,7 @@
               </a:ln>
               <a:extLst>
                 <a:ext uri="{91240B29-F687-4f45-9708-019B960494DF}">
-                  <a14:hiddenLine xmlns:a14="http://schemas.microsoft.com/office/drawing/2010/main" xmlns="" w="9525">
+                  <a14:hiddenLine xmlns="" xmlns:a14="http://schemas.microsoft.com/office/drawing/2010/main" w="9525">
                     <a:solidFill>
                       <a:srgbClr val="000000"/>
                     </a:solidFill>
@@ -13917,7 +13917,7 @@
               </a:ln>
               <a:extLst>
                 <a:ext uri="{91240B29-F687-4f45-9708-019B960494DF}">
-                  <a14:hiddenLine xmlns:a14="http://schemas.microsoft.com/office/drawing/2010/main" xmlns="" w="9525">
+                  <a14:hiddenLine xmlns="" xmlns:a14="http://schemas.microsoft.com/office/drawing/2010/main" w="9525">
                     <a:solidFill>
                       <a:srgbClr val="000000"/>
                     </a:solidFill>
@@ -13979,7 +13979,7 @@
               </a:ln>
               <a:extLst>
                 <a:ext uri="{91240B29-F687-4f45-9708-019B960494DF}">
-                  <a14:hiddenLine xmlns:a14="http://schemas.microsoft.com/office/drawing/2010/main" xmlns="" w="9525">
+                  <a14:hiddenLine xmlns="" xmlns:a14="http://schemas.microsoft.com/office/drawing/2010/main" w="9525">
                     <a:solidFill>
                       <a:srgbClr val="000000"/>
                     </a:solidFill>
@@ -14069,7 +14069,7 @@
               </a:ln>
               <a:extLst>
                 <a:ext uri="{91240B29-F687-4f45-9708-019B960494DF}">
-                  <a14:hiddenLine xmlns:a14="http://schemas.microsoft.com/office/drawing/2010/main" xmlns="" w="9525">
+                  <a14:hiddenLine xmlns="" xmlns:a14="http://schemas.microsoft.com/office/drawing/2010/main" w="9525">
                     <a:solidFill>
                       <a:srgbClr val="000000"/>
                     </a:solidFill>
@@ -14159,7 +14159,7 @@
               </a:ln>
               <a:extLst>
                 <a:ext uri="{91240B29-F687-4f45-9708-019B960494DF}">
-                  <a14:hiddenLine xmlns:a14="http://schemas.microsoft.com/office/drawing/2010/main" xmlns="" w="9525">
+                  <a14:hiddenLine xmlns="" xmlns:a14="http://schemas.microsoft.com/office/drawing/2010/main" w="9525">
                     <a:solidFill>
                       <a:srgbClr val="000000"/>
                     </a:solidFill>
@@ -14224,7 +14224,7 @@
               </a:ln>
               <a:extLst>
                 <a:ext uri="{91240B29-F687-4f45-9708-019B960494DF}">
-                  <a14:hiddenLine xmlns:a14="http://schemas.microsoft.com/office/drawing/2010/main" xmlns="" w="9525">
+                  <a14:hiddenLine xmlns="" xmlns:a14="http://schemas.microsoft.com/office/drawing/2010/main" w="9525">
                     <a:solidFill>
                       <a:srgbClr val="000000"/>
                     </a:solidFill>
@@ -14344,7 +14344,7 @@
               </a:ln>
               <a:extLst>
                 <a:ext uri="{91240B29-F687-4f45-9708-019B960494DF}">
-                  <a14:hiddenLine xmlns:a14="http://schemas.microsoft.com/office/drawing/2010/main" xmlns="" w="9525">
+                  <a14:hiddenLine xmlns="" xmlns:a14="http://schemas.microsoft.com/office/drawing/2010/main" w="9525">
                     <a:solidFill>
                       <a:srgbClr val="000000"/>
                     </a:solidFill>
@@ -14425,7 +14425,7 @@
               </a:ln>
               <a:extLst>
                 <a:ext uri="{91240B29-F687-4f45-9708-019B960494DF}">
-                  <a14:hiddenLine xmlns:a14="http://schemas.microsoft.com/office/drawing/2010/main" xmlns="" w="9525">
+                  <a14:hiddenLine xmlns="" xmlns:a14="http://schemas.microsoft.com/office/drawing/2010/main" w="9525">
                     <a:solidFill>
                       <a:srgbClr val="000000"/>
                     </a:solidFill>
@@ -14540,7 +14540,7 @@
               </a:ln>
               <a:extLst>
                 <a:ext uri="{91240B29-F687-4f45-9708-019B960494DF}">
-                  <a14:hiddenLine xmlns:a14="http://schemas.microsoft.com/office/drawing/2010/main" xmlns="" w="9525">
+                  <a14:hiddenLine xmlns="" xmlns:a14="http://schemas.microsoft.com/office/drawing/2010/main" w="9525">
                     <a:solidFill>
                       <a:srgbClr val="000000"/>
                     </a:solidFill>
@@ -14630,7 +14630,7 @@
               </a:ln>
               <a:extLst>
                 <a:ext uri="{91240B29-F687-4f45-9708-019B960494DF}">
-                  <a14:hiddenLine xmlns:a14="http://schemas.microsoft.com/office/drawing/2010/main" xmlns="" w="9525">
+                  <a14:hiddenLine xmlns="" xmlns:a14="http://schemas.microsoft.com/office/drawing/2010/main" w="9525">
                     <a:solidFill>
                       <a:srgbClr val="000000"/>
                     </a:solidFill>
@@ -14695,7 +14695,7 @@
               </a:ln>
               <a:extLst>
                 <a:ext uri="{91240B29-F687-4f45-9708-019B960494DF}">
-                  <a14:hiddenLine xmlns:a14="http://schemas.microsoft.com/office/drawing/2010/main" xmlns="" w="9525">
+                  <a14:hiddenLine xmlns="" xmlns:a14="http://schemas.microsoft.com/office/drawing/2010/main" w="9525">
                     <a:solidFill>
                       <a:srgbClr val="000000"/>
                     </a:solidFill>
@@ -14785,7 +14785,7 @@
               </a:ln>
               <a:extLst>
                 <a:ext uri="{91240B29-F687-4f45-9708-019B960494DF}">
-                  <a14:hiddenLine xmlns:a14="http://schemas.microsoft.com/office/drawing/2010/main" xmlns="" w="9525">
+                  <a14:hiddenLine xmlns="" xmlns:a14="http://schemas.microsoft.com/office/drawing/2010/main" w="9525">
                     <a:solidFill>
                       <a:srgbClr val="000000"/>
                     </a:solidFill>
@@ -14853,7 +14853,7 @@
               </a:ln>
               <a:extLst>
                 <a:ext uri="{91240B29-F687-4f45-9708-019B960494DF}">
-                  <a14:hiddenLine xmlns:a14="http://schemas.microsoft.com/office/drawing/2010/main" xmlns="" w="9525">
+                  <a14:hiddenLine xmlns="" xmlns:a14="http://schemas.microsoft.com/office/drawing/2010/main" w="9525">
                     <a:solidFill>
                       <a:srgbClr val="000000"/>
                     </a:solidFill>
@@ -14943,7 +14943,7 @@
               </a:ln>
               <a:extLst>
                 <a:ext uri="{91240B29-F687-4f45-9708-019B960494DF}">
-                  <a14:hiddenLine xmlns:a14="http://schemas.microsoft.com/office/drawing/2010/main" xmlns="" w="9525">
+                  <a14:hiddenLine xmlns="" xmlns:a14="http://schemas.microsoft.com/office/drawing/2010/main" w="9525">
                     <a:solidFill>
                       <a:srgbClr val="000000"/>
                     </a:solidFill>
@@ -15011,7 +15011,7 @@
               </a:ln>
               <a:extLst>
                 <a:ext uri="{91240B29-F687-4f45-9708-019B960494DF}">
-                  <a14:hiddenLine xmlns:a14="http://schemas.microsoft.com/office/drawing/2010/main" xmlns="" w="9525">
+                  <a14:hiddenLine xmlns="" xmlns:a14="http://schemas.microsoft.com/office/drawing/2010/main" w="9525">
                     <a:solidFill>
                       <a:srgbClr val="000000"/>
                     </a:solidFill>
@@ -15101,7 +15101,7 @@
               </a:ln>
               <a:extLst>
                 <a:ext uri="{91240B29-F687-4f45-9708-019B960494DF}">
-                  <a14:hiddenLine xmlns:a14="http://schemas.microsoft.com/office/drawing/2010/main" xmlns="" w="9525">
+                  <a14:hiddenLine xmlns="" xmlns:a14="http://schemas.microsoft.com/office/drawing/2010/main" w="9525">
                     <a:solidFill>
                       <a:srgbClr val="000000"/>
                     </a:solidFill>
@@ -15135,7 +15135,7 @@
               </a:ln>
               <a:extLst>
                 <a:ext uri="{91240B29-F687-4f45-9708-019B960494DF}">
-                  <a14:hiddenLine xmlns:a14="http://schemas.microsoft.com/office/drawing/2010/main" xmlns="" w="9525">
+                  <a14:hiddenLine xmlns="" xmlns:a14="http://schemas.microsoft.com/office/drawing/2010/main" w="9525">
                     <a:solidFill>
                       <a:srgbClr val="000000"/>
                     </a:solidFill>
@@ -15276,7 +15276,7 @@
             <a:fld id="{48A87A34-81AB-432B-8DAE-1953F412C126}" type="datetimeFigureOut">
               <a:rPr lang="en-US" smtClean="0"/>
               <a:pPr/>
-              <a:t>7/31/2024</a:t>
+              <a:t>8/4/2024</a:t>
             </a:fld>
             <a:endParaRPr lang="en-US" dirty="0"/>
           </a:p>
@@ -36879,14 +36879,14 @@
           <p:nvPr>
             <p:extLst>
               <p:ext uri="{D42A27DB-BD31-4B8C-83A1-F6EECF244321}">
-                <p14:modId xmlns:p14="http://schemas.microsoft.com/office/powerpoint/2010/main" val="2257803689"/>
+                <p14:modId xmlns:p14="http://schemas.microsoft.com/office/powerpoint/2010/main" val="1925691820"/>
               </p:ext>
             </p:extLst>
           </p:nvPr>
         </p:nvGraphicFramePr>
         <p:xfrm>
           <a:off x="993801" y="2309808"/>
-          <a:ext cx="2751577" cy="2123440"/>
+          <a:ext cx="2751577" cy="2118360"/>
         </p:xfrm>
         <a:graphic>
           <a:graphicData uri="http://schemas.openxmlformats.org/drawingml/2006/table">
@@ -37083,7 +37083,7 @@
                   </a:ext>
                 </a:extLst>
               </a:tr>
-              <a:tr h="370840">
+              <a:tr h="283450">
                 <a:tc>
                   <a:txBody>
                     <a:bodyPr/>
@@ -42378,6 +42378,26 @@
 </file>
 
 <file path=customXml/item1.xml><?xml version="1.0" encoding="utf-8"?>
+<p:properties xmlns:p="http://schemas.microsoft.com/office/2006/metadata/properties" xmlns:xsi="http://www.w3.org/2001/XMLSchema-instance" xmlns:pc="http://schemas.microsoft.com/office/infopath/2007/PartnerControls">
+  <documentManagement>
+    <TaxCatchAll xmlns="292d16fe-2316-4afb-8d84-264083cc4a81" xsi:nil="true"/>
+    <lcf76f155ced4ddcb4097134ff3c332f xmlns="5ab5858c-e3b4-4572-9a20-0273a20b92b7">
+      <Terms xmlns="http://schemas.microsoft.com/office/infopath/2007/PartnerControls"/>
+    </lcf76f155ced4ddcb4097134ff3c332f>
+  </documentManagement>
+</p:properties>
+</file>
+
+<file path=customXml/item2.xml><?xml version="1.0" encoding="utf-8"?>
+<?mso-contentType ?>
+<FormTemplates xmlns="http://schemas.microsoft.com/sharepoint/v3/contenttype/forms">
+  <Display>DocumentLibraryForm</Display>
+  <Edit>DocumentLibraryForm</Edit>
+  <New>DocumentLibraryForm</New>
+</FormTemplates>
+</file>
+
+<file path=customXml/item3.xml><?xml version="1.0" encoding="utf-8"?>
 <ct:contentTypeSchema xmlns:ct="http://schemas.microsoft.com/office/2006/metadata/contentType" xmlns:ma="http://schemas.microsoft.com/office/2006/metadata/properties/metaAttributes" ct:_="" ma:_="" ma:contentTypeName="Document" ma:contentTypeID="0x01010085D979ED6DFFF944A3D8C0C8ED18EEFC" ma:contentTypeVersion="12" ma:contentTypeDescription="Create a new document." ma:contentTypeScope="" ma:versionID="d5f3bd848b1de2ca696b67fbbca7db90">
   <xsd:schema xmlns:xsd="http://www.w3.org/2001/XMLSchema" xmlns:xs="http://www.w3.org/2001/XMLSchema" xmlns:p="http://schemas.microsoft.com/office/2006/metadata/properties" xmlns:ns2="5ab5858c-e3b4-4572-9a20-0273a20b92b7" xmlns:ns3="292d16fe-2316-4afb-8d84-264083cc4a81" targetNamespace="http://schemas.microsoft.com/office/2006/metadata/properties" ma:root="true" ma:fieldsID="71a2ca8cbabce2be2561ab344807d579" ns2:_="" ns3:_="">
     <xsd:import namespace="5ab5858c-e3b4-4572-9a20-0273a20b92b7"/>
@@ -42578,28 +42598,16 @@
 </ct:contentTypeSchema>
 </file>
 
-<file path=customXml/item2.xml><?xml version="1.0" encoding="utf-8"?>
-<?mso-contentType ?>
-<FormTemplates xmlns="http://schemas.microsoft.com/sharepoint/v3/contenttype/forms">
-  <Display>DocumentLibraryForm</Display>
-  <Edit>DocumentLibraryForm</Edit>
-  <New>DocumentLibraryForm</New>
-</FormTemplates>
-</file>
-
-<file path=customXml/item3.xml><?xml version="1.0" encoding="utf-8"?>
-<p:properties xmlns:p="http://schemas.microsoft.com/office/2006/metadata/properties" xmlns:xsi="http://www.w3.org/2001/XMLSchema-instance" xmlns:pc="http://schemas.microsoft.com/office/infopath/2007/PartnerControls">
-  <documentManagement>
-    <TaxCatchAll xmlns="292d16fe-2316-4afb-8d84-264083cc4a81" xsi:nil="true"/>
-    <lcf76f155ced4ddcb4097134ff3c332f xmlns="5ab5858c-e3b4-4572-9a20-0273a20b92b7">
-      <Terms xmlns="http://schemas.microsoft.com/office/infopath/2007/PartnerControls"/>
-    </lcf76f155ced4ddcb4097134ff3c332f>
-  </documentManagement>
-</p:properties>
-</file>
-
 <file path=customXml/itemProps1.xml><?xml version="1.0" encoding="utf-8"?>
-<ds:datastoreItem xmlns:ds="http://schemas.openxmlformats.org/officeDocument/2006/customXml" ds:itemID="{9790C826-5B0F-412C-B018-7D5726621063}"/>
+<ds:datastoreItem xmlns:ds="http://schemas.openxmlformats.org/officeDocument/2006/customXml" ds:itemID="{E7866CFD-F94E-4AE5-ACEA-86FEC0F48A10}">
+  <ds:schemaRefs>
+    <ds:schemaRef ds:uri="http://schemas.microsoft.com/office/2006/metadata/properties"/>
+    <ds:schemaRef ds:uri="http://schemas.microsoft.com/office/infopath/2007/PartnerControls"/>
+    <ds:schemaRef ds:uri="71af3243-3dd4-4a8d-8c0d-dd76da1f02a5"/>
+    <ds:schemaRef ds:uri="292d16fe-2316-4afb-8d84-264083cc4a81"/>
+    <ds:schemaRef ds:uri="5ab5858c-e3b4-4572-9a20-0273a20b92b7"/>
+  </ds:schemaRefs>
+</ds:datastoreItem>
 </file>
 
 <file path=customXml/itemProps2.xml><?xml version="1.0" encoding="utf-8"?>
@@ -42611,11 +42619,20 @@
 </file>
 
 <file path=customXml/itemProps3.xml><?xml version="1.0" encoding="utf-8"?>
-<ds:datastoreItem xmlns:ds="http://schemas.openxmlformats.org/officeDocument/2006/customXml" ds:itemID="{E7866CFD-F94E-4AE5-ACEA-86FEC0F48A10}">
+<ds:datastoreItem xmlns:ds="http://schemas.openxmlformats.org/officeDocument/2006/customXml" ds:itemID="{9790C826-5B0F-412C-B018-7D5726621063}">
   <ds:schemaRefs>
+    <ds:schemaRef ds:uri="http://schemas.microsoft.com/office/2006/metadata/contentType"/>
+    <ds:schemaRef ds:uri="http://schemas.microsoft.com/office/2006/metadata/properties/metaAttributes"/>
+    <ds:schemaRef ds:uri="http://www.w3.org/2001/XMLSchema"/>
     <ds:schemaRef ds:uri="http://schemas.microsoft.com/office/2006/metadata/properties"/>
+    <ds:schemaRef ds:uri="5ab5858c-e3b4-4572-9a20-0273a20b92b7"/>
+    <ds:schemaRef ds:uri="292d16fe-2316-4afb-8d84-264083cc4a81"/>
+    <ds:schemaRef ds:uri="http://schemas.microsoft.com/office/2006/documentManagement/types"/>
     <ds:schemaRef ds:uri="http://schemas.microsoft.com/office/infopath/2007/PartnerControls"/>
-    <ds:schemaRef ds:uri="71af3243-3dd4-4a8d-8c0d-dd76da1f02a5"/>
+    <ds:schemaRef ds:uri="http://schemas.openxmlformats.org/package/2006/metadata/core-properties"/>
+    <ds:schemaRef ds:uri="http://purl.org/dc/elements/1.1/"/>
+    <ds:schemaRef ds:uri="http://purl.org/dc/terms/"/>
+    <ds:schemaRef ds:uri="http://schemas.microsoft.com/internal/obd"/>
   </ds:schemaRefs>
 </ds:datastoreItem>
 </file>
